--- a/Physic/Physic_week_8/411021312-張愷恩.pptx
+++ b/Physic/Physic_week_8/411021312-張愷恩.pptx
@@ -19,7 +19,6 @@
     <p:sldId id="273" r:id="rId13"/>
     <p:sldId id="279" r:id="rId14"/>
     <p:sldId id="287" r:id="rId15"/>
-    <p:sldId id="288" r:id="rId16"/>
   </p:sldIdLst>
   <p:sldSz cx="12192000" cy="6858000"/>
   <p:notesSz cx="6858000" cy="9144000"/>
@@ -137,7 +136,6 @@
             <p14:sldId id="273"/>
             <p14:sldId id="279"/>
             <p14:sldId id="287"/>
-            <p14:sldId id="288"/>
           </p14:sldIdLst>
         </p14:section>
       </p14:sectionLst>
@@ -301,7 +299,7 @@
           <a:p>
             <a:fld id="{81B8F32D-D8B6-4B9E-9CBF-DCAC30B7B93D}" type="datetimeFigureOut">
               <a:rPr lang="en-US" smtClean="0"/>
-              <a:t>5/17/22</a:t>
+              <a:t>5/18/22</a:t>
             </a:fld>
             <a:endParaRPr lang="en-US"/>
           </a:p>
@@ -617,7 +615,7 @@
           <a:p>
             <a:fld id="{81B8F32D-D8B6-4B9E-9CBF-DCAC30B7B93D}" type="datetimeFigureOut">
               <a:rPr lang="en-US" smtClean="0"/>
-              <a:t>5/17/22</a:t>
+              <a:t>5/18/22</a:t>
             </a:fld>
             <a:endParaRPr lang="en-US"/>
           </a:p>
@@ -922,7 +920,7 @@
           <a:p>
             <a:fld id="{81B8F32D-D8B6-4B9E-9CBF-DCAC30B7B93D}" type="datetimeFigureOut">
               <a:rPr lang="en-US" smtClean="0"/>
-              <a:t>5/17/22</a:t>
+              <a:t>5/18/22</a:t>
             </a:fld>
             <a:endParaRPr lang="en-US"/>
           </a:p>
@@ -1129,7 +1127,7 @@
           <a:p>
             <a:fld id="{81B8F32D-D8B6-4B9E-9CBF-DCAC30B7B93D}" type="datetimeFigureOut">
               <a:rPr lang="en-US" smtClean="0"/>
-              <a:t>5/17/22</a:t>
+              <a:t>5/18/22</a:t>
             </a:fld>
             <a:endParaRPr lang="en-US"/>
           </a:p>
@@ -1477,7 +1475,7 @@
           <a:p>
             <a:fld id="{81B8F32D-D8B6-4B9E-9CBF-DCAC30B7B93D}" type="datetimeFigureOut">
               <a:rPr lang="en-US" smtClean="0"/>
-              <a:t>5/17/22</a:t>
+              <a:t>5/18/22</a:t>
             </a:fld>
             <a:endParaRPr lang="en-US"/>
           </a:p>
@@ -1948,7 +1946,7 @@
           <a:p>
             <a:fld id="{81B8F32D-D8B6-4B9E-9CBF-DCAC30B7B93D}" type="datetimeFigureOut">
               <a:rPr lang="en-US" smtClean="0"/>
-              <a:t>5/17/22</a:t>
+              <a:t>5/18/22</a:t>
             </a:fld>
             <a:endParaRPr lang="en-US"/>
           </a:p>
@@ -2483,7 +2481,7 @@
           <a:p>
             <a:fld id="{81B8F32D-D8B6-4B9E-9CBF-DCAC30B7B93D}" type="datetimeFigureOut">
               <a:rPr lang="en-US" smtClean="0"/>
-              <a:t>5/17/22</a:t>
+              <a:t>5/18/22</a:t>
             </a:fld>
             <a:endParaRPr lang="en-US"/>
           </a:p>
@@ -2700,7 +2698,7 @@
           <a:p>
             <a:fld id="{81B8F32D-D8B6-4B9E-9CBF-DCAC30B7B93D}" type="datetimeFigureOut">
               <a:rPr lang="en-US" smtClean="0"/>
-              <a:t>5/17/22</a:t>
+              <a:t>5/18/22</a:t>
             </a:fld>
             <a:endParaRPr lang="en-US"/>
           </a:p>
@@ -2905,7 +2903,7 @@
           <a:p>
             <a:fld id="{81B8F32D-D8B6-4B9E-9CBF-DCAC30B7B93D}" type="datetimeFigureOut">
               <a:rPr lang="en-US" smtClean="0"/>
-              <a:t>5/17/22</a:t>
+              <a:t>5/18/22</a:t>
             </a:fld>
             <a:endParaRPr lang="en-US"/>
           </a:p>
@@ -3235,7 +3233,7 @@
           <a:p>
             <a:fld id="{81B8F32D-D8B6-4B9E-9CBF-DCAC30B7B93D}" type="datetimeFigureOut">
               <a:rPr lang="en-US" smtClean="0"/>
-              <a:t>5/17/22</a:t>
+              <a:t>5/18/22</a:t>
             </a:fld>
             <a:endParaRPr lang="en-US"/>
           </a:p>
@@ -3545,7 +3543,7 @@
           <a:p>
             <a:fld id="{81B8F32D-D8B6-4B9E-9CBF-DCAC30B7B93D}" type="datetimeFigureOut">
               <a:rPr lang="en-US" smtClean="0"/>
-              <a:t>5/17/22</a:t>
+              <a:t>5/18/22</a:t>
             </a:fld>
             <a:endParaRPr lang="en-US"/>
           </a:p>
@@ -3782,7 +3780,7 @@
             <a:fld id="{81B8F32D-D8B6-4B9E-9CBF-DCAC30B7B93D}" type="datetimeFigureOut">
               <a:rPr lang="en-US" smtClean="0"/>
               <a:pPr/>
-              <a:t>5/17/22</a:t>
+              <a:t>5/18/22</a:t>
             </a:fld>
             <a:endParaRPr lang="en-US" dirty="0"/>
           </a:p>
@@ -5425,138 +5423,39 @@
           </a:p>
         </p:txBody>
       </p:sp>
+      <p:pic>
+        <p:nvPicPr>
+          <p:cNvPr id="3" name="Picture 2" descr="Chart, line chart&#10;&#10;Description automatically generated">
+            <a:extLst>
+              <a:ext uri="{FF2B5EF4-FFF2-40B4-BE49-F238E27FC236}">
+                <a16:creationId xmlns:a16="http://schemas.microsoft.com/office/drawing/2014/main" id="{868296F1-744F-2BB6-4633-B186FB717A14}"/>
+              </a:ext>
+            </a:extLst>
+          </p:cNvPr>
+          <p:cNvPicPr>
+            <a:picLocks noChangeAspect="1"/>
+          </p:cNvPicPr>
+          <p:nvPr/>
+        </p:nvPicPr>
+        <p:blipFill rotWithShape="1">
+          <a:blip r:embed="rId2"/>
+          <a:srcRect l="4261" t="10169" r="8833" b="7151"/>
+          <a:stretch/>
+        </p:blipFill>
+        <p:spPr>
+          <a:xfrm>
+            <a:off x="4335078" y="500637"/>
+            <a:ext cx="7442394" cy="5619747"/>
+          </a:xfrm>
+          <a:prstGeom prst="rect">
+            <a:avLst/>
+          </a:prstGeom>
+        </p:spPr>
+      </p:pic>
     </p:spTree>
     <p:extLst>
       <p:ext uri="{BB962C8B-B14F-4D97-AF65-F5344CB8AC3E}">
         <p14:creationId xmlns:p14="http://schemas.microsoft.com/office/powerpoint/2010/main" val="2688857417"/>
-      </p:ext>
-    </p:extLst>
-  </p:cSld>
-  <p:clrMapOvr>
-    <a:masterClrMapping/>
-  </p:clrMapOvr>
-</p:sld>
-</file>
-
-<file path=ppt/slides/slide15.xml><?xml version="1.0" encoding="utf-8"?>
-<p:sld xmlns:a="http://schemas.openxmlformats.org/drawingml/2006/main" xmlns:r="http://schemas.openxmlformats.org/officeDocument/2006/relationships" xmlns:p="http://schemas.openxmlformats.org/presentationml/2006/main">
-  <p:cSld>
-    <p:spTree>
-      <p:nvGrpSpPr>
-        <p:cNvPr id="1" name=""/>
-        <p:cNvGrpSpPr/>
-        <p:nvPr/>
-      </p:nvGrpSpPr>
-      <p:grpSpPr>
-        <a:xfrm>
-          <a:off x="0" y="0"/>
-          <a:ext cx="0" cy="0"/>
-          <a:chOff x="0" y="0"/>
-          <a:chExt cx="0" cy="0"/>
-        </a:xfrm>
-      </p:grpSpPr>
-      <p:sp>
-        <p:nvSpPr>
-          <p:cNvPr id="7" name="TextBox 6">
-            <a:extLst>
-              <a:ext uri="{FF2B5EF4-FFF2-40B4-BE49-F238E27FC236}">
-                <a16:creationId xmlns:a16="http://schemas.microsoft.com/office/drawing/2014/main" id="{983BB3AE-22CF-96D3-9FE8-83F57B9694A0}"/>
-              </a:ext>
-            </a:extLst>
-          </p:cNvPr>
-          <p:cNvSpPr txBox="1"/>
-          <p:nvPr/>
-        </p:nvSpPr>
-        <p:spPr>
-          <a:xfrm>
-            <a:off x="552663" y="897435"/>
-            <a:ext cx="3237603" cy="5016758"/>
-          </a:xfrm>
-          <a:prstGeom prst="rect">
-            <a:avLst/>
-          </a:prstGeom>
-          <a:noFill/>
-        </p:spPr>
-        <p:txBody>
-          <a:bodyPr wrap="square" rtlCol="0">
-            <a:spAutoFit/>
-          </a:bodyPr>
-          <a:lstStyle/>
-          <a:p>
-            <a:r>
-              <a:rPr lang="en-TW" sz="3200" spc="150" dirty="0">
-                <a:latin typeface="+mj-lt"/>
-                <a:ea typeface="+mj-ea"/>
-                <a:cs typeface="+mj-cs"/>
-              </a:rPr>
-              <a:t>這一張圖是驗證內部與外部是否符合正比r與</a:t>
-            </a:r>
-            <a:r>
-              <a:rPr lang="en-US" altLang="zh-TW" sz="3200" spc="150" dirty="0">
-                <a:latin typeface="+mj-lt"/>
-                <a:ea typeface="+mj-ea"/>
-                <a:cs typeface="+mj-cs"/>
-              </a:rPr>
-              <a:t>1/r </a:t>
-            </a:r>
-            <a:r>
-              <a:rPr lang="zh-TW" altLang="en-US" sz="3200" spc="150" dirty="0">
-                <a:latin typeface="+mj-lt"/>
-                <a:ea typeface="+mj-ea"/>
-                <a:cs typeface="+mj-cs"/>
-              </a:rPr>
-              <a:t>的關係。</a:t>
-            </a:r>
-            <a:endParaRPr lang="en-US" altLang="zh-TW" sz="3200" spc="150" dirty="0">
-              <a:latin typeface="+mj-lt"/>
-              <a:ea typeface="+mj-ea"/>
-              <a:cs typeface="+mj-cs"/>
-            </a:endParaRPr>
-          </a:p>
-          <a:p>
-            <a:endParaRPr lang="en-US" sz="3200" spc="150" dirty="0">
-              <a:latin typeface="+mj-lt"/>
-              <a:ea typeface="+mj-ea"/>
-              <a:cs typeface="+mj-cs"/>
-            </a:endParaRPr>
-          </a:p>
-          <a:p>
-            <a:r>
-              <a:rPr lang="zh-TW" altLang="en-US" sz="3200" spc="150" dirty="0">
-                <a:latin typeface="+mj-lt"/>
-                <a:ea typeface="+mj-ea"/>
-                <a:cs typeface="+mj-cs"/>
-              </a:rPr>
-              <a:t>由於把數據用反比方式變成一個定值，理論上資料的</a:t>
-            </a:r>
-            <a:r>
-              <a:rPr lang="en-US" altLang="zh-TW" sz="3200" spc="150" dirty="0">
-                <a:latin typeface="+mj-lt"/>
-                <a:ea typeface="+mj-ea"/>
-                <a:cs typeface="+mj-cs"/>
-              </a:rPr>
-              <a:t>y</a:t>
-            </a:r>
-            <a:r>
-              <a:rPr lang="zh-TW" altLang="en-US" sz="3200" spc="150" dirty="0">
-                <a:latin typeface="+mj-lt"/>
-                <a:ea typeface="+mj-ea"/>
-                <a:cs typeface="+mj-cs"/>
-              </a:rPr>
-              <a:t>都會是定值。</a:t>
-            </a:r>
-            <a:endParaRPr lang="en-TW" sz="3200" spc="150" dirty="0">
-              <a:latin typeface="+mj-lt"/>
-              <a:ea typeface="+mj-ea"/>
-              <a:cs typeface="+mj-cs"/>
-            </a:endParaRPr>
-          </a:p>
-        </p:txBody>
-      </p:sp>
-    </p:spTree>
-    <p:extLst>
-      <p:ext uri="{BB962C8B-B14F-4D97-AF65-F5344CB8AC3E}">
-        <p14:creationId xmlns:p14="http://schemas.microsoft.com/office/powerpoint/2010/main" val="815032883"/>
       </p:ext>
     </p:extLst>
   </p:cSld>
